--- a/20231117 EAD Update.pptx
+++ b/20231117 EAD Update.pptx
@@ -3836,15 +3836,7 @@
           <a:p>
             <a:r>
               <a:rPr lang="en-US" dirty="0"/>
-              <a:t>Proposed figure </a:t>
-            </a:r>
-            <a:r>
-              <a:rPr lang="en-US"/>
-              <a:t>panels (</a:t>
-            </a:r>
-            <a:r>
-              <a:rPr lang="en-US" dirty="0"/>
-              <a:t>excluding color scheme)</a:t>
+              <a:t>Proposed figure panels (excluding color scheme)</a:t>
             </a:r>
           </a:p>
         </p:txBody>
@@ -3940,8 +3932,8 @@
         </p:nvSpPr>
         <p:spPr>
           <a:xfrm>
-            <a:off x="8426824" y="6113929"/>
-            <a:ext cx="3684493" cy="690283"/>
+            <a:off x="567587" y="6088257"/>
+            <a:ext cx="6822369" cy="690283"/>
           </a:xfrm>
           <a:prstGeom prst="rect">
             <a:avLst/>
@@ -3978,22 +3970,7 @@
                   <a:schemeClr val="tx1"/>
                 </a:solidFill>
               </a:rPr>
-              <a:t>b = 0.60 nm, v = 0.05 nm3 for all </a:t>
-            </a:r>
-            <a:br>
-              <a:rPr lang="en-US" dirty="0">
-                <a:solidFill>
-                  <a:schemeClr val="tx1"/>
-                </a:solidFill>
-              </a:rPr>
-            </a:br>
-            <a:r>
-              <a:rPr lang="en-US" dirty="0">
-                <a:solidFill>
-                  <a:schemeClr val="tx1"/>
-                </a:solidFill>
-              </a:rPr>
-              <a:t>except </a:t>
+              <a:t>b = 0.60 nm, v = 0.05 nm3 for all except </a:t>
             </a:r>
             <a:r>
               <a:rPr lang="en-US" dirty="0" err="1">
@@ -4451,6 +4428,63 @@
           </p:style>
         </p:cxnSp>
       </p:grpSp>
+      <p:sp>
+        <p:nvSpPr>
+          <p:cNvPr id="39" name="Rectangle 38">
+            <a:extLst>
+              <a:ext uri="{FF2B5EF4-FFF2-40B4-BE49-F238E27FC236}">
+                <a16:creationId xmlns:a16="http://schemas.microsoft.com/office/drawing/2014/main" id="{987B6D5D-1875-2BFF-3D44-0F8F54A8DFF5}"/>
+              </a:ext>
+            </a:extLst>
+          </p:cNvPr>
+          <p:cNvSpPr/>
+          <p:nvPr/>
+        </p:nvSpPr>
+        <p:spPr>
+          <a:xfrm>
+            <a:off x="7684312" y="6088256"/>
+            <a:ext cx="3218557" cy="690283"/>
+          </a:xfrm>
+          <a:prstGeom prst="rect">
+            <a:avLst/>
+          </a:prstGeom>
+          <a:solidFill>
+            <a:schemeClr val="bg1"/>
+          </a:solidFill>
+          <a:ln w="19050"/>
+        </p:spPr>
+        <p:style>
+          <a:lnRef idx="2">
+            <a:schemeClr val="accent1">
+              <a:shade val="15000"/>
+            </a:schemeClr>
+          </a:lnRef>
+          <a:fillRef idx="1">
+            <a:schemeClr val="accent1"/>
+          </a:fillRef>
+          <a:effectRef idx="0">
+            <a:schemeClr val="accent1"/>
+          </a:effectRef>
+          <a:fontRef idx="minor">
+            <a:schemeClr val="lt1"/>
+          </a:fontRef>
+        </p:style>
+        <p:txBody>
+          <a:bodyPr rtlCol="0" anchor="ctr"/>
+          <a:lstStyle/>
+          <a:p>
+            <a:pPr algn="ctr"/>
+            <a:r>
+              <a:rPr lang="en-US" dirty="0">
+                <a:solidFill>
+                  <a:schemeClr val="tx1"/>
+                </a:solidFill>
+              </a:rPr>
+              <a:t>Phos. valency = -1</a:t>
+            </a:r>
+          </a:p>
+        </p:txBody>
+      </p:sp>
     </p:spTree>
     <p:extLst>
       <p:ext uri="{BB962C8B-B14F-4D97-AF65-F5344CB8AC3E}">
@@ -4731,41 +4765,6 @@
                 <a:t>pNFH</a:t>
               </a:r>
               <a:endParaRPr lang="en-US" dirty="0"/>
-            </a:p>
-          </p:txBody>
-        </p:sp>
-        <p:sp>
-          <p:nvSpPr>
-            <p:cNvPr id="10" name="TextBox 9">
-              <a:extLst>
-                <a:ext uri="{FF2B5EF4-FFF2-40B4-BE49-F238E27FC236}">
-                  <a16:creationId xmlns:a16="http://schemas.microsoft.com/office/drawing/2014/main" id="{C9320AA0-8B4A-047E-E27E-9311AA0B118C}"/>
-                </a:ext>
-              </a:extLst>
-            </p:cNvPr>
-            <p:cNvSpPr txBox="1"/>
-            <p:nvPr/>
-          </p:nvSpPr>
-          <p:spPr>
-            <a:xfrm>
-              <a:off x="8511432" y="3059668"/>
-              <a:ext cx="976046" cy="369332"/>
-            </a:xfrm>
-            <a:prstGeom prst="rect">
-              <a:avLst/>
-            </a:prstGeom>
-            <a:noFill/>
-          </p:spPr>
-          <p:txBody>
-            <a:bodyPr wrap="square" rtlCol="0">
-              <a:spAutoFit/>
-            </a:bodyPr>
-            <a:lstStyle/>
-            <a:p>
-              <a:r>
-                <a:rPr lang="en-US" dirty="0"/>
-                <a:t>(v = -1)</a:t>
-              </a:r>
             </a:p>
           </p:txBody>
         </p:sp>
@@ -5098,7 +5097,7 @@
         </p:nvSpPr>
         <p:spPr>
           <a:xfrm>
-            <a:off x="193222" y="5997388"/>
+            <a:off x="1258448" y="6051176"/>
             <a:ext cx="3684493" cy="690283"/>
           </a:xfrm>
           <a:prstGeom prst="rect">

--- a/20231117 EAD Update.pptx
+++ b/20231117 EAD Update.pptx
@@ -4199,235 +4199,6 @@
           </p:txBody>
         </p:sp>
       </p:grpSp>
-      <p:grpSp>
-        <p:nvGrpSpPr>
-          <p:cNvPr id="36" name="Group 35">
-            <a:extLst>
-              <a:ext uri="{FF2B5EF4-FFF2-40B4-BE49-F238E27FC236}">
-                <a16:creationId xmlns:a16="http://schemas.microsoft.com/office/drawing/2014/main" id="{665284A4-5703-5947-828C-54F528B5024E}"/>
-              </a:ext>
-            </a:extLst>
-          </p:cNvPr>
-          <p:cNvGrpSpPr/>
-          <p:nvPr/>
-        </p:nvGrpSpPr>
-        <p:grpSpPr>
-          <a:xfrm>
-            <a:off x="7466271" y="3737279"/>
-            <a:ext cx="2914858" cy="2253030"/>
-            <a:chOff x="7466271" y="3737279"/>
-            <a:chExt cx="2914858" cy="2253030"/>
-          </a:xfrm>
-        </p:grpSpPr>
-        <p:pic>
-          <p:nvPicPr>
-            <p:cNvPr id="1036" name="Picture 12">
-              <a:extLst>
-                <a:ext uri="{FF2B5EF4-FFF2-40B4-BE49-F238E27FC236}">
-                  <a16:creationId xmlns:a16="http://schemas.microsoft.com/office/drawing/2014/main" id="{1AB85330-0241-2293-CABB-1EA2B5269F12}"/>
-                </a:ext>
-              </a:extLst>
-            </p:cNvPr>
-            <p:cNvPicPr>
-              <a:picLocks noChangeAspect="1" noChangeArrowheads="1"/>
-            </p:cNvPicPr>
-            <p:nvPr/>
-          </p:nvPicPr>
-          <p:blipFill>
-            <a:blip r:embed="rId6">
-              <a:extLst>
-                <a:ext uri="{28A0092B-C50C-407E-A947-70E740481C1C}">
-                  <a14:useLocalDpi xmlns:a14="http://schemas.microsoft.com/office/drawing/2010/main" val="0"/>
-                </a:ext>
-              </a:extLst>
-            </a:blip>
-            <a:srcRect/>
-            <a:stretch>
-              <a:fillRect/>
-            </a:stretch>
-          </p:blipFill>
-          <p:spPr bwMode="auto">
-            <a:xfrm>
-              <a:off x="7466271" y="3737279"/>
-              <a:ext cx="2914858" cy="2253030"/>
-            </a:xfrm>
-            <a:prstGeom prst="rect">
-              <a:avLst/>
-            </a:prstGeom>
-            <a:noFill/>
-            <a:extLst>
-              <a:ext uri="{909E8E84-426E-40DD-AFC4-6F175D3DCCD1}">
-                <a14:hiddenFill xmlns:a14="http://schemas.microsoft.com/office/drawing/2010/main">
-                  <a:solidFill>
-                    <a:srgbClr val="FFFFFF"/>
-                  </a:solidFill>
-                </a14:hiddenFill>
-              </a:ext>
-            </a:extLst>
-          </p:spPr>
-        </p:pic>
-        <p:sp>
-          <p:nvSpPr>
-            <p:cNvPr id="26" name="TextBox 25">
-              <a:extLst>
-                <a:ext uri="{FF2B5EF4-FFF2-40B4-BE49-F238E27FC236}">
-                  <a16:creationId xmlns:a16="http://schemas.microsoft.com/office/drawing/2014/main" id="{9761D2D5-7299-816A-12CF-8CD75A296D12}"/>
-                </a:ext>
-              </a:extLst>
-            </p:cNvPr>
-            <p:cNvSpPr txBox="1"/>
-            <p:nvPr/>
-          </p:nvSpPr>
-          <p:spPr>
-            <a:xfrm>
-              <a:off x="8087326" y="3873805"/>
-              <a:ext cx="905435" cy="338554"/>
-            </a:xfrm>
-            <a:prstGeom prst="rect">
-              <a:avLst/>
-            </a:prstGeom>
-            <a:noFill/>
-          </p:spPr>
-          <p:txBody>
-            <a:bodyPr wrap="square" rtlCol="0">
-              <a:spAutoFit/>
-            </a:bodyPr>
-            <a:lstStyle/>
-            <a:p>
-              <a:pPr algn="ctr"/>
-              <a:r>
-                <a:rPr lang="en-US" sz="1600" dirty="0"/>
-                <a:t>NFH</a:t>
-              </a:r>
-            </a:p>
-          </p:txBody>
-        </p:sp>
-        <p:sp>
-          <p:nvSpPr>
-            <p:cNvPr id="27" name="TextBox 26">
-              <a:extLst>
-                <a:ext uri="{FF2B5EF4-FFF2-40B4-BE49-F238E27FC236}">
-                  <a16:creationId xmlns:a16="http://schemas.microsoft.com/office/drawing/2014/main" id="{8E80275D-E2E4-6812-783D-3FC39DEAF731}"/>
-                </a:ext>
-              </a:extLst>
-            </p:cNvPr>
-            <p:cNvSpPr txBox="1"/>
-            <p:nvPr/>
-          </p:nvSpPr>
-          <p:spPr>
-            <a:xfrm>
-              <a:off x="8633240" y="4694517"/>
-              <a:ext cx="905435" cy="338554"/>
-            </a:xfrm>
-            <a:prstGeom prst="rect">
-              <a:avLst/>
-            </a:prstGeom>
-            <a:noFill/>
-          </p:spPr>
-          <p:txBody>
-            <a:bodyPr wrap="square" rtlCol="0">
-              <a:spAutoFit/>
-            </a:bodyPr>
-            <a:lstStyle/>
-            <a:p>
-              <a:pPr algn="ctr"/>
-              <a:r>
-                <a:rPr lang="en-US" sz="1600" dirty="0" err="1"/>
-                <a:t>pNFH</a:t>
-              </a:r>
-              <a:endParaRPr lang="en-US" sz="1600" dirty="0"/>
-            </a:p>
-          </p:txBody>
-        </p:sp>
-        <p:cxnSp>
-          <p:nvCxnSpPr>
-            <p:cNvPr id="29" name="Straight Arrow Connector 28">
-              <a:extLst>
-                <a:ext uri="{FF2B5EF4-FFF2-40B4-BE49-F238E27FC236}">
-                  <a16:creationId xmlns:a16="http://schemas.microsoft.com/office/drawing/2014/main" id="{9A18EC80-A36D-EA1E-C0ED-8705D0647FF8}"/>
-                </a:ext>
-              </a:extLst>
-            </p:cNvPr>
-            <p:cNvCxnSpPr>
-              <a:cxnSpLocks/>
-            </p:cNvCxnSpPr>
-            <p:nvPr/>
-          </p:nvCxnSpPr>
-          <p:spPr>
-            <a:xfrm flipH="1">
-              <a:off x="8213229" y="4204397"/>
-              <a:ext cx="222560" cy="396677"/>
-            </a:xfrm>
-            <a:prstGeom prst="straightConnector1">
-              <a:avLst/>
-            </a:prstGeom>
-            <a:ln>
-              <a:solidFill>
-                <a:schemeClr val="tx1"/>
-              </a:solidFill>
-              <a:tailEnd type="triangle"/>
-            </a:ln>
-          </p:spPr>
-          <p:style>
-            <a:lnRef idx="1">
-              <a:schemeClr val="accent1"/>
-            </a:lnRef>
-            <a:fillRef idx="0">
-              <a:schemeClr val="accent1"/>
-            </a:fillRef>
-            <a:effectRef idx="0">
-              <a:schemeClr val="accent1"/>
-            </a:effectRef>
-            <a:fontRef idx="minor">
-              <a:schemeClr val="tx1"/>
-            </a:fontRef>
-          </p:style>
-        </p:cxnSp>
-        <p:cxnSp>
-          <p:nvCxnSpPr>
-            <p:cNvPr id="32" name="Straight Arrow Connector 31">
-              <a:extLst>
-                <a:ext uri="{FF2B5EF4-FFF2-40B4-BE49-F238E27FC236}">
-                  <a16:creationId xmlns:a16="http://schemas.microsoft.com/office/drawing/2014/main" id="{425BA795-4BD1-2913-2E11-1820A5A047D4}"/>
-                </a:ext>
-              </a:extLst>
-            </p:cNvPr>
-            <p:cNvCxnSpPr>
-              <a:cxnSpLocks/>
-            </p:cNvCxnSpPr>
-            <p:nvPr/>
-          </p:nvCxnSpPr>
-          <p:spPr>
-            <a:xfrm flipH="1">
-              <a:off x="8923700" y="5033071"/>
-              <a:ext cx="162257" cy="300929"/>
-            </a:xfrm>
-            <a:prstGeom prst="straightConnector1">
-              <a:avLst/>
-            </a:prstGeom>
-            <a:ln>
-              <a:solidFill>
-                <a:schemeClr val="tx1"/>
-              </a:solidFill>
-              <a:tailEnd type="triangle"/>
-            </a:ln>
-          </p:spPr>
-          <p:style>
-            <a:lnRef idx="1">
-              <a:schemeClr val="accent1"/>
-            </a:lnRef>
-            <a:fillRef idx="0">
-              <a:schemeClr val="accent1"/>
-            </a:fillRef>
-            <a:effectRef idx="0">
-              <a:schemeClr val="accent1"/>
-            </a:effectRef>
-            <a:fontRef idx="minor">
-              <a:schemeClr val="tx1"/>
-            </a:fontRef>
-          </p:style>
-        </p:cxnSp>
-      </p:grpSp>
       <p:sp>
         <p:nvSpPr>
           <p:cNvPr id="39" name="Rectangle 38">
@@ -4485,6 +4256,214 @@
           </a:p>
         </p:txBody>
       </p:sp>
+      <p:pic>
+        <p:nvPicPr>
+          <p:cNvPr id="1038" name="Picture 14">
+            <a:extLst>
+              <a:ext uri="{FF2B5EF4-FFF2-40B4-BE49-F238E27FC236}">
+                <a16:creationId xmlns:a16="http://schemas.microsoft.com/office/drawing/2014/main" id="{F57C92E2-8584-8BFB-B879-C4BC2C10841F}"/>
+              </a:ext>
+            </a:extLst>
+          </p:cNvPr>
+          <p:cNvPicPr>
+            <a:picLocks noChangeAspect="1" noChangeArrowheads="1"/>
+          </p:cNvPicPr>
+          <p:nvPr/>
+        </p:nvPicPr>
+        <p:blipFill>
+          <a:blip r:embed="rId6">
+            <a:extLst>
+              <a:ext uri="{28A0092B-C50C-407E-A947-70E740481C1C}">
+                <a14:useLocalDpi xmlns:a14="http://schemas.microsoft.com/office/drawing/2010/main" val="0"/>
+              </a:ext>
+            </a:extLst>
+          </a:blip>
+          <a:srcRect/>
+          <a:stretch>
+            <a:fillRect/>
+          </a:stretch>
+        </p:blipFill>
+        <p:spPr bwMode="auto">
+          <a:xfrm>
+            <a:off x="7466271" y="3737279"/>
+            <a:ext cx="2983918" cy="2306410"/>
+          </a:xfrm>
+          <a:prstGeom prst="rect">
+            <a:avLst/>
+          </a:prstGeom>
+          <a:noFill/>
+          <a:extLst>
+            <a:ext uri="{909E8E84-426E-40DD-AFC4-6F175D3DCCD1}">
+              <a14:hiddenFill xmlns:a14="http://schemas.microsoft.com/office/drawing/2010/main">
+                <a:solidFill>
+                  <a:srgbClr val="FFFFFF"/>
+                </a:solidFill>
+              </a14:hiddenFill>
+            </a:ext>
+          </a:extLst>
+        </p:spPr>
+      </p:pic>
+      <p:sp>
+        <p:nvSpPr>
+          <p:cNvPr id="26" name="TextBox 25">
+            <a:extLst>
+              <a:ext uri="{FF2B5EF4-FFF2-40B4-BE49-F238E27FC236}">
+                <a16:creationId xmlns:a16="http://schemas.microsoft.com/office/drawing/2014/main" id="{9761D2D5-7299-816A-12CF-8CD75A296D12}"/>
+              </a:ext>
+            </a:extLst>
+          </p:cNvPr>
+          <p:cNvSpPr txBox="1"/>
+          <p:nvPr/>
+        </p:nvSpPr>
+        <p:spPr>
+          <a:xfrm>
+            <a:off x="8076804" y="3879839"/>
+            <a:ext cx="905435" cy="338554"/>
+          </a:xfrm>
+          <a:prstGeom prst="rect">
+            <a:avLst/>
+          </a:prstGeom>
+          <a:noFill/>
+        </p:spPr>
+        <p:txBody>
+          <a:bodyPr wrap="square" rtlCol="0">
+            <a:spAutoFit/>
+          </a:bodyPr>
+          <a:lstStyle/>
+          <a:p>
+            <a:pPr algn="ctr"/>
+            <a:r>
+              <a:rPr lang="en-US" sz="1600" dirty="0"/>
+              <a:t>NFH</a:t>
+            </a:r>
+          </a:p>
+        </p:txBody>
+      </p:sp>
+      <p:sp>
+        <p:nvSpPr>
+          <p:cNvPr id="27" name="TextBox 26">
+            <a:extLst>
+              <a:ext uri="{FF2B5EF4-FFF2-40B4-BE49-F238E27FC236}">
+                <a16:creationId xmlns:a16="http://schemas.microsoft.com/office/drawing/2014/main" id="{8E80275D-E2E4-6812-783D-3FC39DEAF731}"/>
+              </a:ext>
+            </a:extLst>
+          </p:cNvPr>
+          <p:cNvSpPr txBox="1"/>
+          <p:nvPr/>
+        </p:nvSpPr>
+        <p:spPr>
+          <a:xfrm>
+            <a:off x="8622718" y="4700551"/>
+            <a:ext cx="905435" cy="338554"/>
+          </a:xfrm>
+          <a:prstGeom prst="rect">
+            <a:avLst/>
+          </a:prstGeom>
+          <a:noFill/>
+        </p:spPr>
+        <p:txBody>
+          <a:bodyPr wrap="square" rtlCol="0">
+            <a:spAutoFit/>
+          </a:bodyPr>
+          <a:lstStyle/>
+          <a:p>
+            <a:pPr algn="ctr"/>
+            <a:r>
+              <a:rPr lang="en-US" sz="1600" dirty="0" err="1"/>
+              <a:t>pNFH</a:t>
+            </a:r>
+            <a:endParaRPr lang="en-US" sz="1600" dirty="0"/>
+          </a:p>
+        </p:txBody>
+      </p:sp>
+      <p:cxnSp>
+        <p:nvCxnSpPr>
+          <p:cNvPr id="29" name="Straight Arrow Connector 28">
+            <a:extLst>
+              <a:ext uri="{FF2B5EF4-FFF2-40B4-BE49-F238E27FC236}">
+                <a16:creationId xmlns:a16="http://schemas.microsoft.com/office/drawing/2014/main" id="{9A18EC80-A36D-EA1E-C0ED-8705D0647FF8}"/>
+              </a:ext>
+            </a:extLst>
+          </p:cNvPr>
+          <p:cNvCxnSpPr>
+            <a:cxnSpLocks/>
+          </p:cNvCxnSpPr>
+          <p:nvPr/>
+        </p:nvCxnSpPr>
+        <p:spPr>
+          <a:xfrm flipH="1">
+            <a:off x="8202707" y="4210431"/>
+            <a:ext cx="222560" cy="396677"/>
+          </a:xfrm>
+          <a:prstGeom prst="straightConnector1">
+            <a:avLst/>
+          </a:prstGeom>
+          <a:ln>
+            <a:solidFill>
+              <a:schemeClr val="tx1"/>
+            </a:solidFill>
+            <a:tailEnd type="triangle"/>
+          </a:ln>
+        </p:spPr>
+        <p:style>
+          <a:lnRef idx="1">
+            <a:schemeClr val="accent1"/>
+          </a:lnRef>
+          <a:fillRef idx="0">
+            <a:schemeClr val="accent1"/>
+          </a:fillRef>
+          <a:effectRef idx="0">
+            <a:schemeClr val="accent1"/>
+          </a:effectRef>
+          <a:fontRef idx="minor">
+            <a:schemeClr val="tx1"/>
+          </a:fontRef>
+        </p:style>
+      </p:cxnSp>
+      <p:cxnSp>
+        <p:nvCxnSpPr>
+          <p:cNvPr id="32" name="Straight Arrow Connector 31">
+            <a:extLst>
+              <a:ext uri="{FF2B5EF4-FFF2-40B4-BE49-F238E27FC236}">
+                <a16:creationId xmlns:a16="http://schemas.microsoft.com/office/drawing/2014/main" id="{425BA795-4BD1-2913-2E11-1820A5A047D4}"/>
+              </a:ext>
+            </a:extLst>
+          </p:cNvPr>
+          <p:cNvCxnSpPr>
+            <a:cxnSpLocks/>
+          </p:cNvCxnSpPr>
+          <p:nvPr/>
+        </p:nvCxnSpPr>
+        <p:spPr>
+          <a:xfrm flipH="1">
+            <a:off x="8913178" y="5039105"/>
+            <a:ext cx="162257" cy="300929"/>
+          </a:xfrm>
+          <a:prstGeom prst="straightConnector1">
+            <a:avLst/>
+          </a:prstGeom>
+          <a:ln>
+            <a:solidFill>
+              <a:schemeClr val="tx1"/>
+            </a:solidFill>
+            <a:tailEnd type="triangle"/>
+          </a:ln>
+        </p:spPr>
+        <p:style>
+          <a:lnRef idx="1">
+            <a:schemeClr val="accent1"/>
+          </a:lnRef>
+          <a:fillRef idx="0">
+            <a:schemeClr val="accent1"/>
+          </a:fillRef>
+          <a:effectRef idx="0">
+            <a:schemeClr val="accent1"/>
+          </a:effectRef>
+          <a:fontRef idx="minor">
+            <a:schemeClr val="tx1"/>
+          </a:fontRef>
+        </p:style>
+      </p:cxnSp>
     </p:spTree>
     <p:extLst>
       <p:ext uri="{BB962C8B-B14F-4D97-AF65-F5344CB8AC3E}">
@@ -4544,7 +4523,7 @@
         </p:blipFill>
         <p:spPr bwMode="auto">
           <a:xfrm>
-            <a:off x="5963003" y="936990"/>
+            <a:off x="5439128" y="584565"/>
             <a:ext cx="6220736" cy="2613151"/>
           </a:xfrm>
           <a:prstGeom prst="rect">
@@ -4576,7 +4555,7 @@
         </p:nvGrpSpPr>
         <p:grpSpPr>
           <a:xfrm>
-            <a:off x="8825311" y="3731920"/>
+            <a:off x="8301436" y="3379495"/>
             <a:ext cx="3341353" cy="2455693"/>
             <a:chOff x="8816346" y="3731920"/>
             <a:chExt cx="3341353" cy="2455693"/>
@@ -4679,7 +4658,7 @@
         </p:nvGrpSpPr>
         <p:grpSpPr>
           <a:xfrm>
-            <a:off x="5963003" y="3731920"/>
+            <a:off x="5439128" y="3379495"/>
             <a:ext cx="3341353" cy="2455693"/>
             <a:chOff x="7111253" y="2571265"/>
             <a:chExt cx="3341353" cy="2455693"/>
@@ -4783,7 +4762,7 @@
         </p:nvGrpSpPr>
         <p:grpSpPr>
           <a:xfrm>
-            <a:off x="7332240" y="1584568"/>
+            <a:off x="6808365" y="1232143"/>
             <a:ext cx="3433325" cy="1154786"/>
             <a:chOff x="6696635" y="1773370"/>
             <a:chExt cx="3433325" cy="1154786"/>
@@ -5065,7 +5044,7 @@
         </p:blipFill>
         <p:spPr bwMode="auto">
           <a:xfrm>
-            <a:off x="1426436" y="2066176"/>
+            <a:off x="1380657" y="1797880"/>
             <a:ext cx="3118394" cy="3163230"/>
           </a:xfrm>
           <a:prstGeom prst="rect">

--- a/20231117 EAD Update.pptx
+++ b/20231117 EAD Update.pptx
@@ -4109,7 +4109,7 @@
         </p:nvGrpSpPr>
         <p:grpSpPr>
           <a:xfrm>
-            <a:off x="4482353" y="3737279"/>
+            <a:off x="4406038" y="3737279"/>
             <a:ext cx="2983918" cy="2214452"/>
             <a:chOff x="4482353" y="3737279"/>
             <a:chExt cx="2983918" cy="2214452"/>
@@ -4256,214 +4256,235 @@
           </a:p>
         </p:txBody>
       </p:sp>
-      <p:pic>
-        <p:nvPicPr>
-          <p:cNvPr id="1038" name="Picture 14">
-            <a:extLst>
-              <a:ext uri="{FF2B5EF4-FFF2-40B4-BE49-F238E27FC236}">
-                <a16:creationId xmlns:a16="http://schemas.microsoft.com/office/drawing/2014/main" id="{F57C92E2-8584-8BFB-B879-C4BC2C10841F}"/>
-              </a:ext>
-            </a:extLst>
-          </p:cNvPr>
-          <p:cNvPicPr>
-            <a:picLocks noChangeAspect="1" noChangeArrowheads="1"/>
-          </p:cNvPicPr>
+      <p:grpSp>
+        <p:nvGrpSpPr>
+          <p:cNvPr id="40" name="Group 39">
+            <a:extLst>
+              <a:ext uri="{FF2B5EF4-FFF2-40B4-BE49-F238E27FC236}">
+                <a16:creationId xmlns:a16="http://schemas.microsoft.com/office/drawing/2014/main" id="{8782E7AC-993B-4DF6-DFBF-C23E8A74875F}"/>
+              </a:ext>
+            </a:extLst>
+          </p:cNvPr>
+          <p:cNvGrpSpPr/>
           <p:nvPr/>
-        </p:nvPicPr>
-        <p:blipFill>
-          <a:blip r:embed="rId6">
-            <a:extLst>
-              <a:ext uri="{28A0092B-C50C-407E-A947-70E740481C1C}">
-                <a14:useLocalDpi xmlns:a14="http://schemas.microsoft.com/office/drawing/2010/main" val="0"/>
-              </a:ext>
-            </a:extLst>
-          </a:blip>
-          <a:srcRect/>
-          <a:stretch>
-            <a:fillRect/>
-          </a:stretch>
-        </p:blipFill>
-        <p:spPr bwMode="auto">
+        </p:nvGrpSpPr>
+        <p:grpSpPr>
           <a:xfrm>
-            <a:off x="7466271" y="3737279"/>
+            <a:off x="7329109" y="3737279"/>
             <a:ext cx="2983918" cy="2306410"/>
+            <a:chOff x="7466271" y="3737279"/>
+            <a:chExt cx="2983918" cy="2306410"/>
           </a:xfrm>
-          <a:prstGeom prst="rect">
-            <a:avLst/>
-          </a:prstGeom>
-          <a:noFill/>
-          <a:extLst>
-            <a:ext uri="{909E8E84-426E-40DD-AFC4-6F175D3DCCD1}">
-              <a14:hiddenFill xmlns:a14="http://schemas.microsoft.com/office/drawing/2010/main">
-                <a:solidFill>
-                  <a:srgbClr val="FFFFFF"/>
-                </a:solidFill>
-              </a14:hiddenFill>
-            </a:ext>
-          </a:extLst>
-        </p:spPr>
-      </p:pic>
-      <p:sp>
-        <p:nvSpPr>
-          <p:cNvPr id="26" name="TextBox 25">
-            <a:extLst>
-              <a:ext uri="{FF2B5EF4-FFF2-40B4-BE49-F238E27FC236}">
-                <a16:creationId xmlns:a16="http://schemas.microsoft.com/office/drawing/2014/main" id="{9761D2D5-7299-816A-12CF-8CD75A296D12}"/>
-              </a:ext>
-            </a:extLst>
-          </p:cNvPr>
-          <p:cNvSpPr txBox="1"/>
-          <p:nvPr/>
-        </p:nvSpPr>
-        <p:spPr>
-          <a:xfrm>
-            <a:off x="8076804" y="3879839"/>
-            <a:ext cx="905435" cy="338554"/>
-          </a:xfrm>
-          <a:prstGeom prst="rect">
-            <a:avLst/>
-          </a:prstGeom>
-          <a:noFill/>
-        </p:spPr>
-        <p:txBody>
-          <a:bodyPr wrap="square" rtlCol="0">
-            <a:spAutoFit/>
-          </a:bodyPr>
-          <a:lstStyle/>
-          <a:p>
-            <a:pPr algn="ctr"/>
-            <a:r>
-              <a:rPr lang="en-US" sz="1600" dirty="0"/>
-              <a:t>NFH</a:t>
-            </a:r>
-          </a:p>
-        </p:txBody>
-      </p:sp>
-      <p:sp>
-        <p:nvSpPr>
-          <p:cNvPr id="27" name="TextBox 26">
-            <a:extLst>
-              <a:ext uri="{FF2B5EF4-FFF2-40B4-BE49-F238E27FC236}">
-                <a16:creationId xmlns:a16="http://schemas.microsoft.com/office/drawing/2014/main" id="{8E80275D-E2E4-6812-783D-3FC39DEAF731}"/>
-              </a:ext>
-            </a:extLst>
-          </p:cNvPr>
-          <p:cNvSpPr txBox="1"/>
-          <p:nvPr/>
-        </p:nvSpPr>
-        <p:spPr>
-          <a:xfrm>
-            <a:off x="8622718" y="4700551"/>
-            <a:ext cx="905435" cy="338554"/>
-          </a:xfrm>
-          <a:prstGeom prst="rect">
-            <a:avLst/>
-          </a:prstGeom>
-          <a:noFill/>
-        </p:spPr>
-        <p:txBody>
-          <a:bodyPr wrap="square" rtlCol="0">
-            <a:spAutoFit/>
-          </a:bodyPr>
-          <a:lstStyle/>
-          <a:p>
-            <a:pPr algn="ctr"/>
-            <a:r>
-              <a:rPr lang="en-US" sz="1600" dirty="0" err="1"/>
-              <a:t>pNFH</a:t>
-            </a:r>
-            <a:endParaRPr lang="en-US" sz="1600" dirty="0"/>
-          </a:p>
-        </p:txBody>
-      </p:sp>
-      <p:cxnSp>
-        <p:nvCxnSpPr>
-          <p:cNvPr id="29" name="Straight Arrow Connector 28">
-            <a:extLst>
-              <a:ext uri="{FF2B5EF4-FFF2-40B4-BE49-F238E27FC236}">
-                <a16:creationId xmlns:a16="http://schemas.microsoft.com/office/drawing/2014/main" id="{9A18EC80-A36D-EA1E-C0ED-8705D0647FF8}"/>
-              </a:ext>
-            </a:extLst>
-          </p:cNvPr>
-          <p:cNvCxnSpPr>
-            <a:cxnSpLocks/>
-          </p:cNvCxnSpPr>
-          <p:nvPr/>
-        </p:nvCxnSpPr>
-        <p:spPr>
-          <a:xfrm flipH="1">
-            <a:off x="8202707" y="4210431"/>
-            <a:ext cx="222560" cy="396677"/>
-          </a:xfrm>
-          <a:prstGeom prst="straightConnector1">
-            <a:avLst/>
-          </a:prstGeom>
-          <a:ln>
-            <a:solidFill>
+        </p:grpSpPr>
+        <p:pic>
+          <p:nvPicPr>
+            <p:cNvPr id="1038" name="Picture 14">
+              <a:extLst>
+                <a:ext uri="{FF2B5EF4-FFF2-40B4-BE49-F238E27FC236}">
+                  <a16:creationId xmlns:a16="http://schemas.microsoft.com/office/drawing/2014/main" id="{F57C92E2-8584-8BFB-B879-C4BC2C10841F}"/>
+                </a:ext>
+              </a:extLst>
+            </p:cNvPr>
+            <p:cNvPicPr>
+              <a:picLocks noChangeAspect="1" noChangeArrowheads="1"/>
+            </p:cNvPicPr>
+            <p:nvPr/>
+          </p:nvPicPr>
+          <p:blipFill>
+            <a:blip r:embed="rId6">
+              <a:extLst>
+                <a:ext uri="{28A0092B-C50C-407E-A947-70E740481C1C}">
+                  <a14:useLocalDpi xmlns:a14="http://schemas.microsoft.com/office/drawing/2010/main" val="0"/>
+                </a:ext>
+              </a:extLst>
+            </a:blip>
+            <a:srcRect/>
+            <a:stretch>
+              <a:fillRect/>
+            </a:stretch>
+          </p:blipFill>
+          <p:spPr bwMode="auto">
+            <a:xfrm>
+              <a:off x="7466271" y="3737279"/>
+              <a:ext cx="2983918" cy="2306410"/>
+            </a:xfrm>
+            <a:prstGeom prst="rect">
+              <a:avLst/>
+            </a:prstGeom>
+            <a:noFill/>
+            <a:extLst>
+              <a:ext uri="{909E8E84-426E-40DD-AFC4-6F175D3DCCD1}">
+                <a14:hiddenFill xmlns:a14="http://schemas.microsoft.com/office/drawing/2010/main">
+                  <a:solidFill>
+                    <a:srgbClr val="FFFFFF"/>
+                  </a:solidFill>
+                </a14:hiddenFill>
+              </a:ext>
+            </a:extLst>
+          </p:spPr>
+        </p:pic>
+        <p:sp>
+          <p:nvSpPr>
+            <p:cNvPr id="26" name="TextBox 25">
+              <a:extLst>
+                <a:ext uri="{FF2B5EF4-FFF2-40B4-BE49-F238E27FC236}">
+                  <a16:creationId xmlns:a16="http://schemas.microsoft.com/office/drawing/2014/main" id="{9761D2D5-7299-816A-12CF-8CD75A296D12}"/>
+                </a:ext>
+              </a:extLst>
+            </p:cNvPr>
+            <p:cNvSpPr txBox="1"/>
+            <p:nvPr/>
+          </p:nvSpPr>
+          <p:spPr>
+            <a:xfrm>
+              <a:off x="8076804" y="3879839"/>
+              <a:ext cx="905435" cy="338554"/>
+            </a:xfrm>
+            <a:prstGeom prst="rect">
+              <a:avLst/>
+            </a:prstGeom>
+            <a:noFill/>
+          </p:spPr>
+          <p:txBody>
+            <a:bodyPr wrap="square" rtlCol="0">
+              <a:spAutoFit/>
+            </a:bodyPr>
+            <a:lstStyle/>
+            <a:p>
+              <a:pPr algn="ctr"/>
+              <a:r>
+                <a:rPr lang="en-US" sz="1600" dirty="0"/>
+                <a:t>NFH</a:t>
+              </a:r>
+            </a:p>
+          </p:txBody>
+        </p:sp>
+        <p:sp>
+          <p:nvSpPr>
+            <p:cNvPr id="27" name="TextBox 26">
+              <a:extLst>
+                <a:ext uri="{FF2B5EF4-FFF2-40B4-BE49-F238E27FC236}">
+                  <a16:creationId xmlns:a16="http://schemas.microsoft.com/office/drawing/2014/main" id="{8E80275D-E2E4-6812-783D-3FC39DEAF731}"/>
+                </a:ext>
+              </a:extLst>
+            </p:cNvPr>
+            <p:cNvSpPr txBox="1"/>
+            <p:nvPr/>
+          </p:nvSpPr>
+          <p:spPr>
+            <a:xfrm>
+              <a:off x="8622718" y="4700551"/>
+              <a:ext cx="905435" cy="338554"/>
+            </a:xfrm>
+            <a:prstGeom prst="rect">
+              <a:avLst/>
+            </a:prstGeom>
+            <a:noFill/>
+          </p:spPr>
+          <p:txBody>
+            <a:bodyPr wrap="square" rtlCol="0">
+              <a:spAutoFit/>
+            </a:bodyPr>
+            <a:lstStyle/>
+            <a:p>
+              <a:pPr algn="ctr"/>
+              <a:r>
+                <a:rPr lang="en-US" sz="1600" dirty="0" err="1"/>
+                <a:t>pNFH</a:t>
+              </a:r>
+              <a:endParaRPr lang="en-US" sz="1600" dirty="0"/>
+            </a:p>
+          </p:txBody>
+        </p:sp>
+        <p:cxnSp>
+          <p:nvCxnSpPr>
+            <p:cNvPr id="29" name="Straight Arrow Connector 28">
+              <a:extLst>
+                <a:ext uri="{FF2B5EF4-FFF2-40B4-BE49-F238E27FC236}">
+                  <a16:creationId xmlns:a16="http://schemas.microsoft.com/office/drawing/2014/main" id="{9A18EC80-A36D-EA1E-C0ED-8705D0647FF8}"/>
+                </a:ext>
+              </a:extLst>
+            </p:cNvPr>
+            <p:cNvCxnSpPr>
+              <a:cxnSpLocks/>
+            </p:cNvCxnSpPr>
+            <p:nvPr/>
+          </p:nvCxnSpPr>
+          <p:spPr>
+            <a:xfrm flipH="1">
+              <a:off x="8202707" y="4210431"/>
+              <a:ext cx="222560" cy="396677"/>
+            </a:xfrm>
+            <a:prstGeom prst="straightConnector1">
+              <a:avLst/>
+            </a:prstGeom>
+            <a:ln>
+              <a:solidFill>
+                <a:schemeClr val="tx1"/>
+              </a:solidFill>
+              <a:tailEnd type="triangle"/>
+            </a:ln>
+          </p:spPr>
+          <p:style>
+            <a:lnRef idx="1">
+              <a:schemeClr val="accent1"/>
+            </a:lnRef>
+            <a:fillRef idx="0">
+              <a:schemeClr val="accent1"/>
+            </a:fillRef>
+            <a:effectRef idx="0">
+              <a:schemeClr val="accent1"/>
+            </a:effectRef>
+            <a:fontRef idx="minor">
               <a:schemeClr val="tx1"/>
-            </a:solidFill>
-            <a:tailEnd type="triangle"/>
-          </a:ln>
-        </p:spPr>
-        <p:style>
-          <a:lnRef idx="1">
-            <a:schemeClr val="accent1"/>
-          </a:lnRef>
-          <a:fillRef idx="0">
-            <a:schemeClr val="accent1"/>
-          </a:fillRef>
-          <a:effectRef idx="0">
-            <a:schemeClr val="accent1"/>
-          </a:effectRef>
-          <a:fontRef idx="minor">
-            <a:schemeClr val="tx1"/>
-          </a:fontRef>
-        </p:style>
-      </p:cxnSp>
-      <p:cxnSp>
-        <p:nvCxnSpPr>
-          <p:cNvPr id="32" name="Straight Arrow Connector 31">
-            <a:extLst>
-              <a:ext uri="{FF2B5EF4-FFF2-40B4-BE49-F238E27FC236}">
-                <a16:creationId xmlns:a16="http://schemas.microsoft.com/office/drawing/2014/main" id="{425BA795-4BD1-2913-2E11-1820A5A047D4}"/>
-              </a:ext>
-            </a:extLst>
-          </p:cNvPr>
-          <p:cNvCxnSpPr>
-            <a:cxnSpLocks/>
-          </p:cNvCxnSpPr>
-          <p:nvPr/>
-        </p:nvCxnSpPr>
-        <p:spPr>
-          <a:xfrm flipH="1">
-            <a:off x="8913178" y="5039105"/>
-            <a:ext cx="162257" cy="300929"/>
-          </a:xfrm>
-          <a:prstGeom prst="straightConnector1">
-            <a:avLst/>
-          </a:prstGeom>
-          <a:ln>
-            <a:solidFill>
+            </a:fontRef>
+          </p:style>
+        </p:cxnSp>
+        <p:cxnSp>
+          <p:nvCxnSpPr>
+            <p:cNvPr id="32" name="Straight Arrow Connector 31">
+              <a:extLst>
+                <a:ext uri="{FF2B5EF4-FFF2-40B4-BE49-F238E27FC236}">
+                  <a16:creationId xmlns:a16="http://schemas.microsoft.com/office/drawing/2014/main" id="{425BA795-4BD1-2913-2E11-1820A5A047D4}"/>
+                </a:ext>
+              </a:extLst>
+            </p:cNvPr>
+            <p:cNvCxnSpPr>
+              <a:cxnSpLocks/>
+            </p:cNvCxnSpPr>
+            <p:nvPr/>
+          </p:nvCxnSpPr>
+          <p:spPr>
+            <a:xfrm flipH="1">
+              <a:off x="8913178" y="5039105"/>
+              <a:ext cx="162257" cy="300929"/>
+            </a:xfrm>
+            <a:prstGeom prst="straightConnector1">
+              <a:avLst/>
+            </a:prstGeom>
+            <a:ln>
+              <a:solidFill>
+                <a:schemeClr val="tx1"/>
+              </a:solidFill>
+              <a:tailEnd type="triangle"/>
+            </a:ln>
+          </p:spPr>
+          <p:style>
+            <a:lnRef idx="1">
+              <a:schemeClr val="accent1"/>
+            </a:lnRef>
+            <a:fillRef idx="0">
+              <a:schemeClr val="accent1"/>
+            </a:fillRef>
+            <a:effectRef idx="0">
+              <a:schemeClr val="accent1"/>
+            </a:effectRef>
+            <a:fontRef idx="minor">
               <a:schemeClr val="tx1"/>
-            </a:solidFill>
-            <a:tailEnd type="triangle"/>
-          </a:ln>
-        </p:spPr>
-        <p:style>
-          <a:lnRef idx="1">
-            <a:schemeClr val="accent1"/>
-          </a:lnRef>
-          <a:fillRef idx="0">
-            <a:schemeClr val="accent1"/>
-          </a:fillRef>
-          <a:effectRef idx="0">
-            <a:schemeClr val="accent1"/>
-          </a:effectRef>
-          <a:fontRef idx="minor">
-            <a:schemeClr val="tx1"/>
-          </a:fontRef>
-        </p:style>
-      </p:cxnSp>
+            </a:fontRef>
+          </p:style>
+        </p:cxnSp>
+      </p:grpSp>
     </p:spTree>
     <p:extLst>
       <p:ext uri="{BB962C8B-B14F-4D97-AF65-F5344CB8AC3E}">
